--- a/DockerCommands.pptx
+++ b/DockerCommands.pptx
@@ -277,7 +277,7 @@
           <a:p>
             <a:fld id="{0C420C2B-4AFD-45DE-B1EC-F0B17ED4E0CD}" type="datetimeFigureOut">
               <a:rPr lang="en-US" smtClean="0"/>
-              <a:t>3/15/2023</a:t>
+              <a:t>4/28/2023</a:t>
             </a:fld>
             <a:endParaRPr lang="en-US"/>
           </a:p>
@@ -475,7 +475,7 @@
           <a:p>
             <a:fld id="{0C420C2B-4AFD-45DE-B1EC-F0B17ED4E0CD}" type="datetimeFigureOut">
               <a:rPr lang="en-US" smtClean="0"/>
-              <a:t>3/15/2023</a:t>
+              <a:t>4/28/2023</a:t>
             </a:fld>
             <a:endParaRPr lang="en-US"/>
           </a:p>
@@ -683,7 +683,7 @@
           <a:p>
             <a:fld id="{0C420C2B-4AFD-45DE-B1EC-F0B17ED4E0CD}" type="datetimeFigureOut">
               <a:rPr lang="en-US" smtClean="0"/>
-              <a:t>3/15/2023</a:t>
+              <a:t>4/28/2023</a:t>
             </a:fld>
             <a:endParaRPr lang="en-US"/>
           </a:p>
@@ -881,7 +881,7 @@
           <a:p>
             <a:fld id="{0C420C2B-4AFD-45DE-B1EC-F0B17ED4E0CD}" type="datetimeFigureOut">
               <a:rPr lang="en-US" smtClean="0"/>
-              <a:t>3/15/2023</a:t>
+              <a:t>4/28/2023</a:t>
             </a:fld>
             <a:endParaRPr lang="en-US"/>
           </a:p>
@@ -1156,7 +1156,7 @@
           <a:p>
             <a:fld id="{0C420C2B-4AFD-45DE-B1EC-F0B17ED4E0CD}" type="datetimeFigureOut">
               <a:rPr lang="en-US" smtClean="0"/>
-              <a:t>3/15/2023</a:t>
+              <a:t>4/28/2023</a:t>
             </a:fld>
             <a:endParaRPr lang="en-US"/>
           </a:p>
@@ -1421,7 +1421,7 @@
           <a:p>
             <a:fld id="{0C420C2B-4AFD-45DE-B1EC-F0B17ED4E0CD}" type="datetimeFigureOut">
               <a:rPr lang="en-US" smtClean="0"/>
-              <a:t>3/15/2023</a:t>
+              <a:t>4/28/2023</a:t>
             </a:fld>
             <a:endParaRPr lang="en-US"/>
           </a:p>
@@ -1833,7 +1833,7 @@
           <a:p>
             <a:fld id="{0C420C2B-4AFD-45DE-B1EC-F0B17ED4E0CD}" type="datetimeFigureOut">
               <a:rPr lang="en-US" smtClean="0"/>
-              <a:t>3/15/2023</a:t>
+              <a:t>4/28/2023</a:t>
             </a:fld>
             <a:endParaRPr lang="en-US"/>
           </a:p>
@@ -1974,7 +1974,7 @@
           <a:p>
             <a:fld id="{0C420C2B-4AFD-45DE-B1EC-F0B17ED4E0CD}" type="datetimeFigureOut">
               <a:rPr lang="en-US" smtClean="0"/>
-              <a:t>3/15/2023</a:t>
+              <a:t>4/28/2023</a:t>
             </a:fld>
             <a:endParaRPr lang="en-US"/>
           </a:p>
@@ -2087,7 +2087,7 @@
           <a:p>
             <a:fld id="{0C420C2B-4AFD-45DE-B1EC-F0B17ED4E0CD}" type="datetimeFigureOut">
               <a:rPr lang="en-US" smtClean="0"/>
-              <a:t>3/15/2023</a:t>
+              <a:t>4/28/2023</a:t>
             </a:fld>
             <a:endParaRPr lang="en-US"/>
           </a:p>
@@ -2398,7 +2398,7 @@
           <a:p>
             <a:fld id="{0C420C2B-4AFD-45DE-B1EC-F0B17ED4E0CD}" type="datetimeFigureOut">
               <a:rPr lang="en-US" smtClean="0"/>
-              <a:t>3/15/2023</a:t>
+              <a:t>4/28/2023</a:t>
             </a:fld>
             <a:endParaRPr lang="en-US"/>
           </a:p>
@@ -2686,7 +2686,7 @@
           <a:p>
             <a:fld id="{0C420C2B-4AFD-45DE-B1EC-F0B17ED4E0CD}" type="datetimeFigureOut">
               <a:rPr lang="en-US" smtClean="0"/>
-              <a:t>3/15/2023</a:t>
+              <a:t>4/28/2023</a:t>
             </a:fld>
             <a:endParaRPr lang="en-US"/>
           </a:p>
@@ -2927,7 +2927,7 @@
           <a:p>
             <a:fld id="{0C420C2B-4AFD-45DE-B1EC-F0B17ED4E0CD}" type="datetimeFigureOut">
               <a:rPr lang="en-US" smtClean="0"/>
-              <a:t>3/15/2023</a:t>
+              <a:t>4/28/2023</a:t>
             </a:fld>
             <a:endParaRPr lang="en-US"/>
           </a:p>
